--- a/Excel For Practical Use.pptx
+++ b/Excel For Practical Use.pptx
@@ -5,17 +5,18 @@
     <p:sldMasterId id="2147483660" r:id="rId1"/>
   </p:sldMasterIdLst>
   <p:notesMasterIdLst>
-    <p:notesMasterId r:id="rId10"/>
+    <p:notesMasterId r:id="rId11"/>
   </p:notesMasterIdLst>
   <p:sldIdLst>
     <p:sldId id="256" r:id="rId2"/>
     <p:sldId id="257" r:id="rId3"/>
     <p:sldId id="263" r:id="rId4"/>
     <p:sldId id="259" r:id="rId5"/>
-    <p:sldId id="260" r:id="rId6"/>
-    <p:sldId id="261" r:id="rId7"/>
-    <p:sldId id="262" r:id="rId8"/>
-    <p:sldId id="264" r:id="rId9"/>
+    <p:sldId id="265" r:id="rId6"/>
+    <p:sldId id="260" r:id="rId7"/>
+    <p:sldId id="261" r:id="rId8"/>
+    <p:sldId id="262" r:id="rId9"/>
+    <p:sldId id="264" r:id="rId10"/>
   </p:sldIdLst>
   <p:sldSz cx="12192000" cy="6858000"/>
   <p:notesSz cx="6858000" cy="9144000"/>
@@ -114,6 +115,11 @@
       </a:defRPr>
     </a:lvl9pPr>
   </p:defaultTextStyle>
+  <p:extLst>
+    <p:ext uri="{EFAFB233-063F-42B5-8137-9DF3F51BA10A}">
+      <p15:sldGuideLst xmlns:p15="http://schemas.microsoft.com/office/powerpoint/2012/main"/>
+    </p:ext>
+  </p:extLst>
 </p:presentation>
 </file>
 
@@ -199,7 +205,7 @@
           <a:p>
             <a:fld id="{F0F31E78-976A-4273-ACFE-04026F5FD90C}" type="datetimeFigureOut">
               <a:rPr lang="en-US" smtClean="0"/>
-              <a:t>3/13/2025</a:t>
+              <a:t>3/14/2025</a:t>
             </a:fld>
             <a:endParaRPr lang="en-US"/>
           </a:p>
@@ -572,7 +578,13 @@
   <p:cSld>
     <p:spTree>
       <p:nvGrpSpPr>
-        <p:cNvPr id="1" name=""/>
+        <p:cNvPr id="1" name="">
+          <a:extLst>
+            <a:ext uri="{FF2B5EF4-FFF2-40B4-BE49-F238E27FC236}">
+              <a16:creationId xmlns:a16="http://schemas.microsoft.com/office/drawing/2014/main" id="{751190A5-3E54-ADE7-D551-EF6D245D296F}"/>
+            </a:ext>
+          </a:extLst>
+        </p:cNvPr>
         <p:cNvGrpSpPr/>
         <p:nvPr/>
       </p:nvGrpSpPr>
@@ -586,7 +598,13 @@
       </p:grpSpPr>
       <p:sp>
         <p:nvSpPr>
-          <p:cNvPr id="2" name="Slide Image Placeholder 1"/>
+          <p:cNvPr id="2" name="Slide Image Placeholder 1">
+            <a:extLst>
+              <a:ext uri="{FF2B5EF4-FFF2-40B4-BE49-F238E27FC236}">
+                <a16:creationId xmlns:a16="http://schemas.microsoft.com/office/drawing/2014/main" id="{D3E03D69-1CE3-36B6-AC81-9BC8A5110A42}"/>
+              </a:ext>
+            </a:extLst>
+          </p:cNvPr>
           <p:cNvSpPr>
             <a:spLocks noGrp="1" noRot="1" noChangeAspect="1"/>
           </p:cNvSpPr>
@@ -598,7 +616,13 @@
       </p:sp>
       <p:sp>
         <p:nvSpPr>
-          <p:cNvPr id="3" name="Notes Placeholder 2"/>
+          <p:cNvPr id="3" name="Notes Placeholder 2">
+            <a:extLst>
+              <a:ext uri="{FF2B5EF4-FFF2-40B4-BE49-F238E27FC236}">
+                <a16:creationId xmlns:a16="http://schemas.microsoft.com/office/drawing/2014/main" id="{5BE7867C-0F52-9BC0-33C3-78603A999340}"/>
+              </a:ext>
+            </a:extLst>
+          </p:cNvPr>
           <p:cNvSpPr>
             <a:spLocks noGrp="1"/>
           </p:cNvSpPr>
@@ -613,23 +637,34 @@
           <a:p>
             <a:r>
               <a:rPr lang="en-US" dirty="0"/>
-              <a:t>Show the simple adding – formula intro</a:t>
-            </a:r>
-          </a:p>
-          <a:p>
+              <a:t>Pull up a spreadsheet, show sorting, searching – formatting </a:t>
+            </a:r>
+            <a:r>
+              <a:rPr lang="en-US" dirty="0" err="1"/>
+              <a:t>esp</a:t>
+            </a:r>
             <a:r>
               <a:rPr lang="en-US" dirty="0"/>
-              <a:t>Do bigger spreadsheet for sums and avg and such</a:t>
+              <a:t> numbers, conditional formatting – like highlight negatives as red = use sales thing – get bands format as table. Adjust column, sort, and filter.</a:t>
             </a:r>
           </a:p>
           <a:p>
             <a:endParaRPr lang="en-US" dirty="0"/>
           </a:p>
-        </p:txBody>
-      </p:sp>
-      <p:sp>
-        <p:nvSpPr>
-          <p:cNvPr id="4" name="Slide Number Placeholder 3"/>
+          <a:p>
+            <a:endParaRPr lang="en-US" dirty="0"/>
+          </a:p>
+        </p:txBody>
+      </p:sp>
+      <p:sp>
+        <p:nvSpPr>
+          <p:cNvPr id="4" name="Slide Number Placeholder 3">
+            <a:extLst>
+              <a:ext uri="{FF2B5EF4-FFF2-40B4-BE49-F238E27FC236}">
+                <a16:creationId xmlns:a16="http://schemas.microsoft.com/office/drawing/2014/main" id="{6F6A953C-8083-DA99-F723-A00B5FBA5C65}"/>
+              </a:ext>
+            </a:extLst>
+          </p:cNvPr>
           <p:cNvSpPr>
             <a:spLocks noGrp="1"/>
           </p:cNvSpPr>
@@ -653,7 +688,7 @@
     </p:spTree>
     <p:extLst>
       <p:ext uri="{BB962C8B-B14F-4D97-AF65-F5344CB8AC3E}">
-        <p14:creationId xmlns:p14="http://schemas.microsoft.com/office/powerpoint/2010/main" val="382101468"/>
+        <p14:creationId xmlns:p14="http://schemas.microsoft.com/office/powerpoint/2010/main" val="3684988761"/>
       </p:ext>
     </p:extLst>
   </p:cSld>
@@ -709,17 +744,14 @@
           <a:p>
             <a:r>
               <a:rPr lang="en-US" dirty="0"/>
-              <a:t>Maybe do Vermont population???? The sales thing? Vermont populations for diff groups???? Do sales, ‘sales by category’ by year then sales by category by year line chart</a:t>
-            </a:r>
-          </a:p>
-          <a:p>
-            <a:endParaRPr lang="en-US" dirty="0"/>
-          </a:p>
-          <a:p>
-            <a:endParaRPr lang="en-US" dirty="0"/>
-          </a:p>
-          <a:p>
-            <a:endParaRPr lang="en-US" dirty="0"/>
+              <a:t>Show the simple adding – formula intro</a:t>
+            </a:r>
+          </a:p>
+          <a:p>
+            <a:r>
+              <a:rPr lang="en-US" dirty="0"/>
+              <a:t>Do bigger spreadsheet for sums and avg and such</a:t>
+            </a:r>
           </a:p>
           <a:p>
             <a:endParaRPr lang="en-US" dirty="0"/>
@@ -752,7 +784,7 @@
     </p:spTree>
     <p:extLst>
       <p:ext uri="{BB962C8B-B14F-4D97-AF65-F5344CB8AC3E}">
-        <p14:creationId xmlns:p14="http://schemas.microsoft.com/office/powerpoint/2010/main" val="410160837"/>
+        <p14:creationId xmlns:p14="http://schemas.microsoft.com/office/powerpoint/2010/main" val="382101468"/>
       </p:ext>
     </p:extLst>
   </p:cSld>
@@ -807,6 +839,105 @@
           <a:lstStyle/>
           <a:p>
             <a:r>
+              <a:rPr lang="en-US" dirty="0"/>
+              <a:t>Maybe do Vermont population???? The sales thing? Vermont populations for diff groups???? Do sales, ‘sales by category’ by year then sales by category by year line chart</a:t>
+            </a:r>
+          </a:p>
+          <a:p>
+            <a:endParaRPr lang="en-US" dirty="0"/>
+          </a:p>
+          <a:p>
+            <a:endParaRPr lang="en-US" dirty="0"/>
+          </a:p>
+          <a:p>
+            <a:endParaRPr lang="en-US" dirty="0"/>
+          </a:p>
+          <a:p>
+            <a:endParaRPr lang="en-US" dirty="0"/>
+          </a:p>
+        </p:txBody>
+      </p:sp>
+      <p:sp>
+        <p:nvSpPr>
+          <p:cNvPr id="4" name="Slide Number Placeholder 3"/>
+          <p:cNvSpPr>
+            <a:spLocks noGrp="1"/>
+          </p:cNvSpPr>
+          <p:nvPr>
+            <p:ph type="sldNum" sz="quarter" idx="5"/>
+          </p:nvPr>
+        </p:nvSpPr>
+        <p:spPr/>
+        <p:txBody>
+          <a:bodyPr/>
+          <a:lstStyle/>
+          <a:p>
+            <a:fld id="{F2DCE4CB-5E05-48CA-8160-A9820503AE39}" type="slidenum">
+              <a:rPr lang="en-US" smtClean="0"/>
+              <a:t>7</a:t>
+            </a:fld>
+            <a:endParaRPr lang="en-US"/>
+          </a:p>
+        </p:txBody>
+      </p:sp>
+    </p:spTree>
+    <p:extLst>
+      <p:ext uri="{BB962C8B-B14F-4D97-AF65-F5344CB8AC3E}">
+        <p14:creationId xmlns:p14="http://schemas.microsoft.com/office/powerpoint/2010/main" val="410160837"/>
+      </p:ext>
+    </p:extLst>
+  </p:cSld>
+  <p:clrMapOvr>
+    <a:masterClrMapping/>
+  </p:clrMapOvr>
+</p:notes>
+</file>
+
+<file path=ppt/notesSlides/notesSlide5.xml><?xml version="1.0" encoding="utf-8"?>
+<p:notes xmlns:a="http://schemas.openxmlformats.org/drawingml/2006/main" xmlns:r="http://schemas.openxmlformats.org/officeDocument/2006/relationships" xmlns:p="http://schemas.openxmlformats.org/presentationml/2006/main">
+  <p:cSld>
+    <p:spTree>
+      <p:nvGrpSpPr>
+        <p:cNvPr id="1" name=""/>
+        <p:cNvGrpSpPr/>
+        <p:nvPr/>
+      </p:nvGrpSpPr>
+      <p:grpSpPr>
+        <a:xfrm>
+          <a:off x="0" y="0"/>
+          <a:ext cx="0" cy="0"/>
+          <a:chOff x="0" y="0"/>
+          <a:chExt cx="0" cy="0"/>
+        </a:xfrm>
+      </p:grpSpPr>
+      <p:sp>
+        <p:nvSpPr>
+          <p:cNvPr id="2" name="Slide Image Placeholder 1"/>
+          <p:cNvSpPr>
+            <a:spLocks noGrp="1" noRot="1" noChangeAspect="1"/>
+          </p:cNvSpPr>
+          <p:nvPr>
+            <p:ph type="sldImg"/>
+          </p:nvPr>
+        </p:nvSpPr>
+        <p:spPr/>
+      </p:sp>
+      <p:sp>
+        <p:nvSpPr>
+          <p:cNvPr id="3" name="Notes Placeholder 2"/>
+          <p:cNvSpPr>
+            <a:spLocks noGrp="1"/>
+          </p:cNvSpPr>
+          <p:nvPr>
+            <p:ph type="body" idx="1"/>
+          </p:nvPr>
+        </p:nvSpPr>
+        <p:spPr/>
+        <p:txBody>
+          <a:bodyPr/>
+          <a:lstStyle/>
+          <a:p>
+            <a:r>
               <a:rPr lang="en-US" dirty="0" err="1">
                 <a:hlinkClick r:id="rId3"/>
               </a:rPr>
@@ -839,7 +970,7 @@
           <a:p>
             <a:fld id="{F2DCE4CB-5E05-48CA-8160-A9820503AE39}" type="slidenum">
               <a:rPr lang="en-US" smtClean="0"/>
-              <a:t>7</a:t>
+              <a:t>8</a:t>
             </a:fld>
             <a:endParaRPr lang="en-US"/>
           </a:p>
@@ -858,7 +989,7 @@
 </p:notes>
 </file>
 
-<file path=ppt/notesSlides/notesSlide5.xml><?xml version="1.0" encoding="utf-8"?>
+<file path=ppt/notesSlides/notesSlide6.xml><?xml version="1.0" encoding="utf-8"?>
 <p:notes xmlns:a="http://schemas.openxmlformats.org/drawingml/2006/main" xmlns:r="http://schemas.openxmlformats.org/officeDocument/2006/relationships" xmlns:p="http://schemas.openxmlformats.org/presentationml/2006/main">
   <p:cSld>
     <p:spTree>
@@ -947,7 +1078,7 @@
           <a:p>
             <a:fld id="{F2DCE4CB-5E05-48CA-8160-A9820503AE39}" type="slidenum">
               <a:rPr lang="en-US" smtClean="0"/>
-              <a:t>8</a:t>
+              <a:t>9</a:t>
             </a:fld>
             <a:endParaRPr lang="en-US"/>
           </a:p>
@@ -1297,7 +1428,7 @@
           <a:p>
             <a:fld id="{262B2D60-7CF3-43F0-A32B-07747D8FCB62}" type="datetimeFigureOut">
               <a:rPr lang="en-US" smtClean="0"/>
-              <a:t>3/11/2025</a:t>
+              <a:t>3/14/2025</a:t>
             </a:fld>
             <a:endParaRPr lang="en-US"/>
           </a:p>
@@ -1621,7 +1752,7 @@
           <a:p>
             <a:fld id="{262B2D60-7CF3-43F0-A32B-07747D8FCB62}" type="datetimeFigureOut">
               <a:rPr lang="en-US" smtClean="0"/>
-              <a:t>3/11/2025</a:t>
+              <a:t>3/14/2025</a:t>
             </a:fld>
             <a:endParaRPr lang="en-US"/>
           </a:p>
@@ -1869,7 +2000,7 @@
           <a:p>
             <a:fld id="{262B2D60-7CF3-43F0-A32B-07747D8FCB62}" type="datetimeFigureOut">
               <a:rPr lang="en-US" smtClean="0"/>
-              <a:t>3/11/2025</a:t>
+              <a:t>3/14/2025</a:t>
             </a:fld>
             <a:endParaRPr lang="en-US"/>
           </a:p>
@@ -2208,7 +2339,7 @@
           <a:p>
             <a:fld id="{262B2D60-7CF3-43F0-A32B-07747D8FCB62}" type="datetimeFigureOut">
               <a:rPr lang="en-US" smtClean="0"/>
-              <a:t>3/11/2025</a:t>
+              <a:t>3/14/2025</a:t>
             </a:fld>
             <a:endParaRPr lang="en-US"/>
           </a:p>
@@ -2555,7 +2686,7 @@
           <a:p>
             <a:fld id="{262B2D60-7CF3-43F0-A32B-07747D8FCB62}" type="datetimeFigureOut">
               <a:rPr lang="en-US" smtClean="0"/>
-              <a:t>3/11/2025</a:t>
+              <a:t>3/14/2025</a:t>
             </a:fld>
             <a:endParaRPr lang="en-US"/>
           </a:p>
@@ -2929,7 +3060,7 @@
           <a:p>
             <a:fld id="{262B2D60-7CF3-43F0-A32B-07747D8FCB62}" type="datetimeFigureOut">
               <a:rPr lang="en-US" smtClean="0"/>
-              <a:t>3/11/2025</a:t>
+              <a:t>3/14/2025</a:t>
             </a:fld>
             <a:endParaRPr lang="en-US"/>
           </a:p>
@@ -3399,7 +3530,7 @@
           <a:p>
             <a:fld id="{262B2D60-7CF3-43F0-A32B-07747D8FCB62}" type="datetimeFigureOut">
               <a:rPr lang="en-US" smtClean="0"/>
-              <a:t>3/11/2025</a:t>
+              <a:t>3/14/2025</a:t>
             </a:fld>
             <a:endParaRPr lang="en-US"/>
           </a:p>
@@ -3604,7 +3735,7 @@
           <a:p>
             <a:fld id="{262B2D60-7CF3-43F0-A32B-07747D8FCB62}" type="datetimeFigureOut">
               <a:rPr lang="en-US" smtClean="0"/>
-              <a:t>3/11/2025</a:t>
+              <a:t>3/14/2025</a:t>
             </a:fld>
             <a:endParaRPr lang="en-US"/>
           </a:p>
@@ -3815,7 +3946,7 @@
           <a:p>
             <a:fld id="{262B2D60-7CF3-43F0-A32B-07747D8FCB62}" type="datetimeFigureOut">
               <a:rPr lang="en-US" smtClean="0"/>
-              <a:t>3/11/2025</a:t>
+              <a:t>3/14/2025</a:t>
             </a:fld>
             <a:endParaRPr lang="en-US"/>
           </a:p>
@@ -4047,7 +4178,7 @@
           <a:p>
             <a:fld id="{262B2D60-7CF3-43F0-A32B-07747D8FCB62}" type="datetimeFigureOut">
               <a:rPr lang="en-US" smtClean="0"/>
-              <a:t>3/11/2025</a:t>
+              <a:t>3/14/2025</a:t>
             </a:fld>
             <a:endParaRPr lang="en-US"/>
           </a:p>
@@ -4295,7 +4426,7 @@
           <a:p>
             <a:fld id="{262B2D60-7CF3-43F0-A32B-07747D8FCB62}" type="datetimeFigureOut">
               <a:rPr lang="en-US" smtClean="0"/>
-              <a:t>3/11/2025</a:t>
+              <a:t>3/14/2025</a:t>
             </a:fld>
             <a:endParaRPr lang="en-US"/>
           </a:p>
@@ -4593,7 +4724,7 @@
           <a:p>
             <a:fld id="{262B2D60-7CF3-43F0-A32B-07747D8FCB62}" type="datetimeFigureOut">
               <a:rPr lang="en-US" smtClean="0"/>
-              <a:t>3/11/2025</a:t>
+              <a:t>3/14/2025</a:t>
             </a:fld>
             <a:endParaRPr lang="en-US"/>
           </a:p>
@@ -4987,7 +5118,7 @@
           <a:p>
             <a:fld id="{262B2D60-7CF3-43F0-A32B-07747D8FCB62}" type="datetimeFigureOut">
               <a:rPr lang="en-US" smtClean="0"/>
-              <a:t>3/11/2025</a:t>
+              <a:t>3/14/2025</a:t>
             </a:fld>
             <a:endParaRPr lang="en-US"/>
           </a:p>
@@ -5136,7 +5267,7 @@
           <a:p>
             <a:fld id="{262B2D60-7CF3-43F0-A32B-07747D8FCB62}" type="datetimeFigureOut">
               <a:rPr lang="en-US" smtClean="0"/>
-              <a:t>3/11/2025</a:t>
+              <a:t>3/14/2025</a:t>
             </a:fld>
             <a:endParaRPr lang="en-US"/>
           </a:p>
@@ -5262,7 +5393,7 @@
           <a:p>
             <a:fld id="{262B2D60-7CF3-43F0-A32B-07747D8FCB62}" type="datetimeFigureOut">
               <a:rPr lang="en-US" smtClean="0"/>
-              <a:t>3/11/2025</a:t>
+              <a:t>3/14/2025</a:t>
             </a:fld>
             <a:endParaRPr lang="en-US"/>
           </a:p>
@@ -5517,7 +5648,7 @@
           <a:p>
             <a:fld id="{262B2D60-7CF3-43F0-A32B-07747D8FCB62}" type="datetimeFigureOut">
               <a:rPr lang="en-US" smtClean="0"/>
-              <a:t>3/11/2025</a:t>
+              <a:t>3/14/2025</a:t>
             </a:fld>
             <a:endParaRPr lang="en-US"/>
           </a:p>
@@ -5832,7 +5963,7 @@
           <a:p>
             <a:fld id="{262B2D60-7CF3-43F0-A32B-07747D8FCB62}" type="datetimeFigureOut">
               <a:rPr lang="en-US" smtClean="0"/>
-              <a:t>3/11/2025</a:t>
+              <a:t>3/14/2025</a:t>
             </a:fld>
             <a:endParaRPr lang="en-US"/>
           </a:p>
@@ -6183,7 +6314,7 @@
           <a:p>
             <a:fld id="{262B2D60-7CF3-43F0-A32B-07747D8FCB62}" type="datetimeFigureOut">
               <a:rPr lang="en-US" smtClean="0"/>
-              <a:t>3/11/2025</a:t>
+              <a:t>3/14/2025</a:t>
             </a:fld>
             <a:endParaRPr lang="en-US"/>
           </a:p>
@@ -7747,42 +7878,40 @@
           <a:p>
             <a:r>
               <a:rPr lang="en-US" dirty="0"/>
-              <a:t>Terms for things</a:t>
-            </a:r>
-          </a:p>
-          <a:p>
-            <a:pPr lvl="1"/>
+              <a:t>Materials: </a:t>
+            </a:r>
+            <a:r>
+              <a:rPr lang="en-US" dirty="0">
+                <a:hlinkClick r:id="rId3"/>
+              </a:rPr>
+              <a:t>https://github.com/sdcharle/irasburg_university_excel</a:t>
+            </a:r>
+            <a:endParaRPr lang="en-US" dirty="0"/>
+          </a:p>
+          <a:p>
             <a:r>
               <a:rPr lang="en-US" dirty="0"/>
-              <a:t>Ribbon</a:t>
-            </a:r>
-          </a:p>
-          <a:p>
-            <a:pPr lvl="1"/>
+              <a:t>Go to code, then ‘Download Zip’</a:t>
+            </a:r>
+          </a:p>
+          <a:p>
             <a:r>
               <a:rPr lang="en-US" dirty="0"/>
-              <a:t>Workbooks/Sheets</a:t>
-            </a:r>
-          </a:p>
-          <a:p>
-            <a:pPr lvl="1"/>
+              <a:t>(</a:t>
+            </a:r>
+            <a:r>
+              <a:rPr lang="en-US" dirty="0" err="1"/>
+              <a:t>Github</a:t>
+            </a:r>
             <a:r>
               <a:rPr lang="en-US" dirty="0"/>
-              <a:t>Cells, rows and columns</a:t>
-            </a:r>
-          </a:p>
-          <a:p>
-            <a:pPr lvl="1"/>
-            <a:r>
-              <a:rPr lang="en-US" dirty="0"/>
-              <a:t>Templates</a:t>
-            </a:r>
-          </a:p>
-          <a:p>
-            <a:r>
-              <a:rPr lang="en-US" dirty="0"/>
-              <a:t>Basic Tasks</a:t>
-            </a:r>
+              <a:t> is a tool programmers use to share and manage code – it keeps track of changes and allows multiple people to work on the </a:t>
+            </a:r>
+            <a:r>
+              <a:rPr lang="en-US"/>
+              <a:t>same project)</a:t>
+            </a:r>
+            <a:endParaRPr lang="en-US" dirty="0"/>
           </a:p>
         </p:txBody>
       </p:sp>
@@ -7800,6 +7929,132 @@
 </file>
 
 <file path=ppt/slides/slide5.xml><?xml version="1.0" encoding="utf-8"?>
+<p:sld xmlns:a="http://schemas.openxmlformats.org/drawingml/2006/main" xmlns:r="http://schemas.openxmlformats.org/officeDocument/2006/relationships" xmlns:p="http://schemas.openxmlformats.org/presentationml/2006/main">
+  <p:cSld>
+    <p:spTree>
+      <p:nvGrpSpPr>
+        <p:cNvPr id="1" name="">
+          <a:extLst>
+            <a:ext uri="{FF2B5EF4-FFF2-40B4-BE49-F238E27FC236}">
+              <a16:creationId xmlns:a16="http://schemas.microsoft.com/office/drawing/2014/main" id="{3E5C636F-3AC3-04C9-D0B8-CC28F793B27F}"/>
+            </a:ext>
+          </a:extLst>
+        </p:cNvPr>
+        <p:cNvGrpSpPr/>
+        <p:nvPr/>
+      </p:nvGrpSpPr>
+      <p:grpSpPr>
+        <a:xfrm>
+          <a:off x="0" y="0"/>
+          <a:ext cx="0" cy="0"/>
+          <a:chOff x="0" y="0"/>
+          <a:chExt cx="0" cy="0"/>
+        </a:xfrm>
+      </p:grpSpPr>
+      <p:sp>
+        <p:nvSpPr>
+          <p:cNvPr id="2" name="Title 1">
+            <a:extLst>
+              <a:ext uri="{FF2B5EF4-FFF2-40B4-BE49-F238E27FC236}">
+                <a16:creationId xmlns:a16="http://schemas.microsoft.com/office/drawing/2014/main" id="{BA772609-2EC4-4E1C-E1B4-C5A91877A0DD}"/>
+              </a:ext>
+            </a:extLst>
+          </p:cNvPr>
+          <p:cNvSpPr>
+            <a:spLocks noGrp="1"/>
+          </p:cNvSpPr>
+          <p:nvPr>
+            <p:ph type="title"/>
+          </p:nvPr>
+        </p:nvSpPr>
+        <p:spPr/>
+        <p:txBody>
+          <a:bodyPr/>
+          <a:lstStyle/>
+          <a:p>
+            <a:r>
+              <a:rPr lang="en-US" dirty="0"/>
+              <a:t>Getting Started</a:t>
+            </a:r>
+          </a:p>
+        </p:txBody>
+      </p:sp>
+      <p:sp>
+        <p:nvSpPr>
+          <p:cNvPr id="3" name="Content Placeholder 2">
+            <a:extLst>
+              <a:ext uri="{FF2B5EF4-FFF2-40B4-BE49-F238E27FC236}">
+                <a16:creationId xmlns:a16="http://schemas.microsoft.com/office/drawing/2014/main" id="{4FD21281-C7C6-76C1-793A-A8358340A4E2}"/>
+              </a:ext>
+            </a:extLst>
+          </p:cNvPr>
+          <p:cNvSpPr>
+            <a:spLocks noGrp="1"/>
+          </p:cNvSpPr>
+          <p:nvPr>
+            <p:ph idx="1"/>
+          </p:nvPr>
+        </p:nvSpPr>
+        <p:spPr/>
+        <p:txBody>
+          <a:bodyPr/>
+          <a:lstStyle/>
+          <a:p>
+            <a:r>
+              <a:rPr lang="en-US" dirty="0"/>
+              <a:t>Terms for things</a:t>
+            </a:r>
+          </a:p>
+          <a:p>
+            <a:pPr lvl="1"/>
+            <a:r>
+              <a:rPr lang="en-US" dirty="0"/>
+              <a:t>Ribbon</a:t>
+            </a:r>
+          </a:p>
+          <a:p>
+            <a:pPr lvl="1"/>
+            <a:r>
+              <a:rPr lang="en-US" dirty="0"/>
+              <a:t>Workbooks/Sheets</a:t>
+            </a:r>
+          </a:p>
+          <a:p>
+            <a:pPr lvl="1"/>
+            <a:r>
+              <a:rPr lang="en-US" dirty="0"/>
+              <a:t>Cells, rows and columns</a:t>
+            </a:r>
+          </a:p>
+          <a:p>
+            <a:pPr lvl="1"/>
+            <a:r>
+              <a:rPr lang="en-US" dirty="0"/>
+              <a:t>Templates</a:t>
+            </a:r>
+          </a:p>
+          <a:p>
+            <a:r>
+              <a:rPr lang="en-US" dirty="0"/>
+              <a:t>Basic Tasks</a:t>
+            </a:r>
+          </a:p>
+        </p:txBody>
+      </p:sp>
+    </p:spTree>
+    <p:extLst>
+      <p:ext uri="{BB962C8B-B14F-4D97-AF65-F5344CB8AC3E}">
+        <p14:creationId xmlns:p14="http://schemas.microsoft.com/office/powerpoint/2010/main" val="735574862"/>
+      </p:ext>
+    </p:extLst>
+  </p:cSld>
+  <p:clrMapOvr>
+    <a:masterClrMapping/>
+  </p:clrMapOvr>
+</p:sld>
+</file>
+
+<file path=ppt/slides/slide6.xml><?xml version="1.0" encoding="utf-8"?>
 <p:sld xmlns:a="http://schemas.openxmlformats.org/drawingml/2006/main" xmlns:r="http://schemas.openxmlformats.org/officeDocument/2006/relationships" xmlns:p="http://schemas.openxmlformats.org/presentationml/2006/main">
   <p:cSld>
     <p:spTree>
@@ -7903,7 +8158,7 @@
 </p:sld>
 </file>
 
-<file path=ppt/slides/slide6.xml><?xml version="1.0" encoding="utf-8"?>
+<file path=ppt/slides/slide7.xml><?xml version="1.0" encoding="utf-8"?>
 <p:sld xmlns:a="http://schemas.openxmlformats.org/drawingml/2006/main" xmlns:r="http://schemas.openxmlformats.org/officeDocument/2006/relationships" xmlns:p="http://schemas.openxmlformats.org/presentationml/2006/main">
   <p:cSld>
     <p:spTree>
@@ -8037,7 +8292,7 @@
 </p:sld>
 </file>
 
-<file path=ppt/slides/slide7.xml><?xml version="1.0" encoding="utf-8"?>
+<file path=ppt/slides/slide8.xml><?xml version="1.0" encoding="utf-8"?>
 <p:sld xmlns:a="http://schemas.openxmlformats.org/drawingml/2006/main" xmlns:r="http://schemas.openxmlformats.org/officeDocument/2006/relationships" xmlns:p="http://schemas.openxmlformats.org/presentationml/2006/main">
   <p:cSld>
     <p:spTree>
@@ -8168,7 +8423,7 @@
 </p:sld>
 </file>
 
-<file path=ppt/slides/slide8.xml><?xml version="1.0" encoding="utf-8"?>
+<file path=ppt/slides/slide9.xml><?xml version="1.0" encoding="utf-8"?>
 <p:sld xmlns:a="http://schemas.openxmlformats.org/drawingml/2006/main" xmlns:r="http://schemas.openxmlformats.org/officeDocument/2006/relationships" xmlns:p="http://schemas.openxmlformats.org/presentationml/2006/main">
   <p:cSld>
     <p:spTree>

--- a/Excel For Practical Use.pptx
+++ b/Excel For Practical Use.pptx
@@ -9,8 +9,8 @@
   </p:notesMasterIdLst>
   <p:sldIdLst>
     <p:sldId id="256" r:id="rId2"/>
-    <p:sldId id="257" r:id="rId3"/>
-    <p:sldId id="263" r:id="rId4"/>
+    <p:sldId id="263" r:id="rId3"/>
+    <p:sldId id="257" r:id="rId4"/>
     <p:sldId id="259" r:id="rId5"/>
     <p:sldId id="265" r:id="rId6"/>
     <p:sldId id="260" r:id="rId7"/>
@@ -205,7 +205,7 @@
           <a:p>
             <a:fld id="{F0F31E78-976A-4273-ACFE-04026F5FD90C}" type="datetimeFigureOut">
               <a:rPr lang="en-US" smtClean="0"/>
-              <a:t>3/14/2025</a:t>
+              <a:t>3/15/2025</a:t>
             </a:fld>
             <a:endParaRPr lang="en-US"/>
           </a:p>
@@ -840,7 +840,7 @@
           <a:p>
             <a:r>
               <a:rPr lang="en-US" dirty="0"/>
-              <a:t>Maybe do Vermont population???? The sales thing? Vermont populations for diff groups???? Do sales, ‘sales by category’ by year then sales by category by year line chart</a:t>
+              <a:t>Maybe do Vermont population (bar charts – quick analysis then charts) The sales thing? Vermont populations for diff groups???? Do sales, ‘sales by category’ by year then sales by category by year line chart</a:t>
             </a:r>
           </a:p>
           <a:p>
@@ -1428,7 +1428,7 @@
           <a:p>
             <a:fld id="{262B2D60-7CF3-43F0-A32B-07747D8FCB62}" type="datetimeFigureOut">
               <a:rPr lang="en-US" smtClean="0"/>
-              <a:t>3/14/2025</a:t>
+              <a:t>3/15/2025</a:t>
             </a:fld>
             <a:endParaRPr lang="en-US"/>
           </a:p>
@@ -1752,7 +1752,7 @@
           <a:p>
             <a:fld id="{262B2D60-7CF3-43F0-A32B-07747D8FCB62}" type="datetimeFigureOut">
               <a:rPr lang="en-US" smtClean="0"/>
-              <a:t>3/14/2025</a:t>
+              <a:t>3/15/2025</a:t>
             </a:fld>
             <a:endParaRPr lang="en-US"/>
           </a:p>
@@ -2000,7 +2000,7 @@
           <a:p>
             <a:fld id="{262B2D60-7CF3-43F0-A32B-07747D8FCB62}" type="datetimeFigureOut">
               <a:rPr lang="en-US" smtClean="0"/>
-              <a:t>3/14/2025</a:t>
+              <a:t>3/15/2025</a:t>
             </a:fld>
             <a:endParaRPr lang="en-US"/>
           </a:p>
@@ -2339,7 +2339,7 @@
           <a:p>
             <a:fld id="{262B2D60-7CF3-43F0-A32B-07747D8FCB62}" type="datetimeFigureOut">
               <a:rPr lang="en-US" smtClean="0"/>
-              <a:t>3/14/2025</a:t>
+              <a:t>3/15/2025</a:t>
             </a:fld>
             <a:endParaRPr lang="en-US"/>
           </a:p>
@@ -2686,7 +2686,7 @@
           <a:p>
             <a:fld id="{262B2D60-7CF3-43F0-A32B-07747D8FCB62}" type="datetimeFigureOut">
               <a:rPr lang="en-US" smtClean="0"/>
-              <a:t>3/14/2025</a:t>
+              <a:t>3/15/2025</a:t>
             </a:fld>
             <a:endParaRPr lang="en-US"/>
           </a:p>
@@ -3060,7 +3060,7 @@
           <a:p>
             <a:fld id="{262B2D60-7CF3-43F0-A32B-07747D8FCB62}" type="datetimeFigureOut">
               <a:rPr lang="en-US" smtClean="0"/>
-              <a:t>3/14/2025</a:t>
+              <a:t>3/15/2025</a:t>
             </a:fld>
             <a:endParaRPr lang="en-US"/>
           </a:p>
@@ -3530,7 +3530,7 @@
           <a:p>
             <a:fld id="{262B2D60-7CF3-43F0-A32B-07747D8FCB62}" type="datetimeFigureOut">
               <a:rPr lang="en-US" smtClean="0"/>
-              <a:t>3/14/2025</a:t>
+              <a:t>3/15/2025</a:t>
             </a:fld>
             <a:endParaRPr lang="en-US"/>
           </a:p>
@@ -3735,7 +3735,7 @@
           <a:p>
             <a:fld id="{262B2D60-7CF3-43F0-A32B-07747D8FCB62}" type="datetimeFigureOut">
               <a:rPr lang="en-US" smtClean="0"/>
-              <a:t>3/14/2025</a:t>
+              <a:t>3/15/2025</a:t>
             </a:fld>
             <a:endParaRPr lang="en-US"/>
           </a:p>
@@ -3946,7 +3946,7 @@
           <a:p>
             <a:fld id="{262B2D60-7CF3-43F0-A32B-07747D8FCB62}" type="datetimeFigureOut">
               <a:rPr lang="en-US" smtClean="0"/>
-              <a:t>3/14/2025</a:t>
+              <a:t>3/15/2025</a:t>
             </a:fld>
             <a:endParaRPr lang="en-US"/>
           </a:p>
@@ -4178,7 +4178,7 @@
           <a:p>
             <a:fld id="{262B2D60-7CF3-43F0-A32B-07747D8FCB62}" type="datetimeFigureOut">
               <a:rPr lang="en-US" smtClean="0"/>
-              <a:t>3/14/2025</a:t>
+              <a:t>3/15/2025</a:t>
             </a:fld>
             <a:endParaRPr lang="en-US"/>
           </a:p>
@@ -4426,7 +4426,7 @@
           <a:p>
             <a:fld id="{262B2D60-7CF3-43F0-A32B-07747D8FCB62}" type="datetimeFigureOut">
               <a:rPr lang="en-US" smtClean="0"/>
-              <a:t>3/14/2025</a:t>
+              <a:t>3/15/2025</a:t>
             </a:fld>
             <a:endParaRPr lang="en-US"/>
           </a:p>
@@ -4724,7 +4724,7 @@
           <a:p>
             <a:fld id="{262B2D60-7CF3-43F0-A32B-07747D8FCB62}" type="datetimeFigureOut">
               <a:rPr lang="en-US" smtClean="0"/>
-              <a:t>3/14/2025</a:t>
+              <a:t>3/15/2025</a:t>
             </a:fld>
             <a:endParaRPr lang="en-US"/>
           </a:p>
@@ -5118,7 +5118,7 @@
           <a:p>
             <a:fld id="{262B2D60-7CF3-43F0-A32B-07747D8FCB62}" type="datetimeFigureOut">
               <a:rPr lang="en-US" smtClean="0"/>
-              <a:t>3/14/2025</a:t>
+              <a:t>3/15/2025</a:t>
             </a:fld>
             <a:endParaRPr lang="en-US"/>
           </a:p>
@@ -5267,7 +5267,7 @@
           <a:p>
             <a:fld id="{262B2D60-7CF3-43F0-A32B-07747D8FCB62}" type="datetimeFigureOut">
               <a:rPr lang="en-US" smtClean="0"/>
-              <a:t>3/14/2025</a:t>
+              <a:t>3/15/2025</a:t>
             </a:fld>
             <a:endParaRPr lang="en-US"/>
           </a:p>
@@ -5393,7 +5393,7 @@
           <a:p>
             <a:fld id="{262B2D60-7CF3-43F0-A32B-07747D8FCB62}" type="datetimeFigureOut">
               <a:rPr lang="en-US" smtClean="0"/>
-              <a:t>3/14/2025</a:t>
+              <a:t>3/15/2025</a:t>
             </a:fld>
             <a:endParaRPr lang="en-US"/>
           </a:p>
@@ -5648,7 +5648,7 @@
           <a:p>
             <a:fld id="{262B2D60-7CF3-43F0-A32B-07747D8FCB62}" type="datetimeFigureOut">
               <a:rPr lang="en-US" smtClean="0"/>
-              <a:t>3/14/2025</a:t>
+              <a:t>3/15/2025</a:t>
             </a:fld>
             <a:endParaRPr lang="en-US"/>
           </a:p>
@@ -5963,7 +5963,7 @@
           <a:p>
             <a:fld id="{262B2D60-7CF3-43F0-A32B-07747D8FCB62}" type="datetimeFigureOut">
               <a:rPr lang="en-US" smtClean="0"/>
-              <a:t>3/14/2025</a:t>
+              <a:t>3/15/2025</a:t>
             </a:fld>
             <a:endParaRPr lang="en-US"/>
           </a:p>
@@ -6314,7 +6314,7 @@
           <a:p>
             <a:fld id="{262B2D60-7CF3-43F0-A32B-07747D8FCB62}" type="datetimeFigureOut">
               <a:rPr lang="en-US" smtClean="0"/>
-              <a:t>3/14/2025</a:t>
+              <a:t>3/15/2025</a:t>
             </a:fld>
             <a:endParaRPr lang="en-US"/>
           </a:p>
@@ -6950,6 +6950,443 @@
     </p:bg>
     <p:spTree>
       <p:nvGrpSpPr>
+        <p:cNvPr id="1" name="">
+          <a:extLst>
+            <a:ext uri="{FF2B5EF4-FFF2-40B4-BE49-F238E27FC236}">
+              <a16:creationId xmlns:a16="http://schemas.microsoft.com/office/drawing/2014/main" id="{1F38B953-94AD-4BDC-F2C7-986314516C09}"/>
+            </a:ext>
+          </a:extLst>
+        </p:cNvPr>
+        <p:cNvGrpSpPr/>
+        <p:nvPr/>
+      </p:nvGrpSpPr>
+      <p:grpSpPr>
+        <a:xfrm>
+          <a:off x="0" y="0"/>
+          <a:ext cx="0" cy="0"/>
+          <a:chOff x="0" y="0"/>
+          <a:chExt cx="0" cy="0"/>
+        </a:xfrm>
+      </p:grpSpPr>
+      <p:sp useBgFill="1">
+        <p:nvSpPr>
+          <p:cNvPr id="21" name="Rectangle 20">
+            <a:extLst>
+              <a:ext uri="{FF2B5EF4-FFF2-40B4-BE49-F238E27FC236}">
+                <a16:creationId xmlns:a16="http://schemas.microsoft.com/office/drawing/2014/main" id="{52723366-C73B-4ED6-ADEF-29911C6BC55F}"/>
+              </a:ext>
+              <a:ext uri="{C183D7F6-B498-43B3-948B-1728B52AA6E4}">
+                <adec:decorative xmlns:adec="http://schemas.microsoft.com/office/drawing/2017/decorative" val="1"/>
+              </a:ext>
+            </a:extLst>
+          </p:cNvPr>
+          <p:cNvSpPr>
+            <a:spLocks noGrp="1" noRot="1" noChangeAspect="1" noMove="1" noResize="1" noEditPoints="1" noAdjustHandles="1" noChangeArrowheads="1" noChangeShapeType="1" noTextEdit="1"/>
+          </p:cNvSpPr>
+          <p:nvPr>
+            <p:extLst>
+              <p:ext uri="{386F3935-93C4-4BCD-93E2-E3B085C9AB24}">
+                <p16:designElem xmlns:p16="http://schemas.microsoft.com/office/powerpoint/2015/main" val="1"/>
+              </p:ext>
+            </p:extLst>
+          </p:nvPr>
+        </p:nvSpPr>
+        <p:spPr>
+          <a:xfrm>
+            <a:off x="0" y="0"/>
+            <a:ext cx="12192000" cy="6858000"/>
+          </a:xfrm>
+          <a:prstGeom prst="rect">
+            <a:avLst/>
+          </a:prstGeom>
+          <a:ln>
+            <a:noFill/>
+          </a:ln>
+        </p:spPr>
+        <p:style>
+          <a:lnRef idx="2">
+            <a:schemeClr val="accent1">
+              <a:shade val="50000"/>
+            </a:schemeClr>
+          </a:lnRef>
+          <a:fillRef idx="1">
+            <a:schemeClr val="accent1"/>
+          </a:fillRef>
+          <a:effectRef idx="0">
+            <a:schemeClr val="accent1"/>
+          </a:effectRef>
+          <a:fontRef idx="minor">
+            <a:schemeClr val="lt1"/>
+          </a:fontRef>
+        </p:style>
+        <p:txBody>
+          <a:bodyPr rtlCol="0" anchor="ctr"/>
+          <a:lstStyle/>
+          <a:p>
+            <a:pPr algn="ctr"/>
+            <a:endParaRPr lang="en-US"/>
+          </a:p>
+        </p:txBody>
+      </p:sp>
+      <p:sp>
+        <p:nvSpPr>
+          <p:cNvPr id="23" name="Rectangle 22">
+            <a:extLst>
+              <a:ext uri="{FF2B5EF4-FFF2-40B4-BE49-F238E27FC236}">
+                <a16:creationId xmlns:a16="http://schemas.microsoft.com/office/drawing/2014/main" id="{847A4152-8E41-4D1C-B88C-57C5C430A69E}"/>
+              </a:ext>
+              <a:ext uri="{C183D7F6-B498-43B3-948B-1728B52AA6E4}">
+                <adec:decorative xmlns:adec="http://schemas.microsoft.com/office/drawing/2017/decorative" val="1"/>
+              </a:ext>
+            </a:extLst>
+          </p:cNvPr>
+          <p:cNvSpPr>
+            <a:spLocks noGrp="1" noRot="1" noChangeAspect="1" noMove="1" noResize="1" noEditPoints="1" noAdjustHandles="1" noChangeArrowheads="1" noChangeShapeType="1" noTextEdit="1"/>
+          </p:cNvSpPr>
+          <p:nvPr>
+            <p:extLst>
+              <p:ext uri="{386F3935-93C4-4BCD-93E2-E3B085C9AB24}">
+                <p16:designElem xmlns:p16="http://schemas.microsoft.com/office/powerpoint/2015/main" val="1"/>
+              </p:ext>
+            </p:extLst>
+          </p:nvPr>
+        </p:nvSpPr>
+        <p:spPr>
+          <a:xfrm>
+            <a:off x="484631" y="484632"/>
+            <a:ext cx="11222737" cy="1479635"/>
+          </a:xfrm>
+          <a:prstGeom prst="rect">
+            <a:avLst/>
+          </a:prstGeom>
+          <a:solidFill>
+            <a:schemeClr val="tx2">
+              <a:lumMod val="90000"/>
+              <a:lumOff val="10000"/>
+            </a:schemeClr>
+          </a:solidFill>
+          <a:ln>
+            <a:noFill/>
+          </a:ln>
+          <a:effectLst>
+            <a:outerShdw blurRad="50800" dist="38100" dir="5400000" algn="t" rotWithShape="0">
+              <a:prstClr val="black">
+                <a:alpha val="40000"/>
+              </a:prstClr>
+            </a:outerShdw>
+          </a:effectLst>
+          <a:scene3d>
+            <a:camera prst="orthographicFront"/>
+            <a:lightRig rig="balanced" dir="t"/>
+          </a:scene3d>
+          <a:sp3d>
+            <a:bevelT w="6350" h="6350"/>
+          </a:sp3d>
+        </p:spPr>
+        <p:style>
+          <a:lnRef idx="2">
+            <a:schemeClr val="accent1">
+              <a:shade val="50000"/>
+            </a:schemeClr>
+          </a:lnRef>
+          <a:fillRef idx="1">
+            <a:schemeClr val="accent1"/>
+          </a:fillRef>
+          <a:effectRef idx="0">
+            <a:schemeClr val="accent1"/>
+          </a:effectRef>
+          <a:fontRef idx="minor">
+            <a:schemeClr val="lt1"/>
+          </a:fontRef>
+        </p:style>
+        <p:txBody>
+          <a:bodyPr rtlCol="0" anchor="ctr"/>
+          <a:lstStyle/>
+          <a:p>
+            <a:pPr algn="ctr"/>
+            <a:endParaRPr lang="en-US"/>
+          </a:p>
+        </p:txBody>
+      </p:sp>
+      <p:sp>
+        <p:nvSpPr>
+          <p:cNvPr id="2" name="Title 1">
+            <a:extLst>
+              <a:ext uri="{FF2B5EF4-FFF2-40B4-BE49-F238E27FC236}">
+                <a16:creationId xmlns:a16="http://schemas.microsoft.com/office/drawing/2014/main" id="{AEAF22DF-9E6D-3AAD-434D-30C8E2C001CC}"/>
+              </a:ext>
+            </a:extLst>
+          </p:cNvPr>
+          <p:cNvSpPr>
+            <a:spLocks noGrp="1"/>
+          </p:cNvSpPr>
+          <p:nvPr>
+            <p:ph type="title"/>
+          </p:nvPr>
+        </p:nvSpPr>
+        <p:spPr>
+          <a:xfrm>
+            <a:off x="804421" y="796374"/>
+            <a:ext cx="10583158" cy="880027"/>
+          </a:xfrm>
+        </p:spPr>
+        <p:txBody>
+          <a:bodyPr>
+            <a:normAutofit/>
+          </a:bodyPr>
+          <a:lstStyle/>
+          <a:p>
+            <a:r>
+              <a:rPr lang="en-US">
+                <a:solidFill>
+                  <a:srgbClr val="FFFFFF"/>
+                </a:solidFill>
+              </a:rPr>
+              <a:t>About Your Professor</a:t>
+            </a:r>
+          </a:p>
+        </p:txBody>
+      </p:sp>
+      <p:sp>
+        <p:nvSpPr>
+          <p:cNvPr id="25" name="Rectangle 24">
+            <a:extLst>
+              <a:ext uri="{FF2B5EF4-FFF2-40B4-BE49-F238E27FC236}">
+                <a16:creationId xmlns:a16="http://schemas.microsoft.com/office/drawing/2014/main" id="{999F76F5-72D4-4814-9169-8F535AEEB809}"/>
+              </a:ext>
+              <a:ext uri="{C183D7F6-B498-43B3-948B-1728B52AA6E4}">
+                <adec:decorative xmlns:adec="http://schemas.microsoft.com/office/drawing/2017/decorative" val="1"/>
+              </a:ext>
+            </a:extLst>
+          </p:cNvPr>
+          <p:cNvSpPr>
+            <a:spLocks noGrp="1" noRot="1" noChangeAspect="1" noMove="1" noResize="1" noEditPoints="1" noAdjustHandles="1" noChangeArrowheads="1" noChangeShapeType="1" noTextEdit="1"/>
+          </p:cNvSpPr>
+          <p:nvPr>
+            <p:extLst>
+              <p:ext uri="{386F3935-93C4-4BCD-93E2-E3B085C9AB24}">
+                <p16:designElem xmlns:p16="http://schemas.microsoft.com/office/powerpoint/2015/main" val="1"/>
+              </p:ext>
+            </p:extLst>
+          </p:nvPr>
+        </p:nvSpPr>
+        <p:spPr>
+          <a:xfrm>
+            <a:off x="650747" y="648377"/>
+            <a:ext cx="10890504" cy="1152144"/>
+          </a:xfrm>
+          <a:prstGeom prst="rect">
+            <a:avLst/>
+          </a:prstGeom>
+          <a:noFill/>
+          <a:ln w="15875" cap="flat">
+            <a:solidFill>
+              <a:schemeClr val="accent1"/>
+            </a:solidFill>
+            <a:miter lim="800000"/>
+          </a:ln>
+          <a:effectLst/>
+        </p:spPr>
+        <p:style>
+          <a:lnRef idx="1">
+            <a:schemeClr val="accent1"/>
+          </a:lnRef>
+          <a:fillRef idx="3">
+            <a:schemeClr val="accent1"/>
+          </a:fillRef>
+          <a:effectRef idx="2">
+            <a:schemeClr val="accent1"/>
+          </a:effectRef>
+          <a:fontRef idx="minor">
+            <a:schemeClr val="lt1"/>
+          </a:fontRef>
+        </p:style>
+        <p:txBody>
+          <a:bodyPr/>
+          <a:lstStyle/>
+          <a:p>
+            <a:endParaRPr lang="en-US"/>
+          </a:p>
+        </p:txBody>
+      </p:sp>
+      <p:sp>
+        <p:nvSpPr>
+          <p:cNvPr id="27" name="Rectangle 26">
+            <a:extLst>
+              <a:ext uri="{FF2B5EF4-FFF2-40B4-BE49-F238E27FC236}">
+                <a16:creationId xmlns:a16="http://schemas.microsoft.com/office/drawing/2014/main" id="{C6202988-4466-42C5-B33A-AFABF051B4FE}"/>
+              </a:ext>
+              <a:ext uri="{C183D7F6-B498-43B3-948B-1728B52AA6E4}">
+                <adec:decorative xmlns:adec="http://schemas.microsoft.com/office/drawing/2017/decorative" val="1"/>
+              </a:ext>
+            </a:extLst>
+          </p:cNvPr>
+          <p:cNvSpPr>
+            <a:spLocks noGrp="1" noRot="1" noChangeAspect="1" noMove="1" noResize="1" noEditPoints="1" noAdjustHandles="1" noChangeArrowheads="1" noChangeShapeType="1" noTextEdit="1"/>
+          </p:cNvSpPr>
+          <p:nvPr>
+            <p:extLst>
+              <p:ext uri="{386F3935-93C4-4BCD-93E2-E3B085C9AB24}">
+                <p16:designElem xmlns:p16="http://schemas.microsoft.com/office/powerpoint/2015/main" val="1"/>
+              </p:ext>
+            </p:extLst>
+          </p:nvPr>
+        </p:nvSpPr>
+        <p:spPr>
+          <a:xfrm>
+            <a:off x="0" y="2286000"/>
+            <a:ext cx="12192000" cy="4572000"/>
+          </a:xfrm>
+          <a:prstGeom prst="rect">
+            <a:avLst/>
+          </a:prstGeom>
+          <a:gradFill>
+            <a:gsLst>
+              <a:gs pos="0">
+                <a:schemeClr val="bg1"/>
+              </a:gs>
+              <a:gs pos="30000">
+                <a:schemeClr val="bg1"/>
+              </a:gs>
+              <a:gs pos="61000">
+                <a:schemeClr val="bg2">
+                  <a:lumMod val="20000"/>
+                  <a:lumOff val="80000"/>
+                </a:schemeClr>
+              </a:gs>
+              <a:gs pos="97000">
+                <a:schemeClr val="bg2">
+                  <a:lumMod val="70000"/>
+                  <a:lumOff val="30000"/>
+                </a:schemeClr>
+              </a:gs>
+            </a:gsLst>
+            <a:path path="circle">
+              <a:fillToRect l="50000" t="50000" r="50000" b="50000"/>
+            </a:path>
+          </a:gradFill>
+          <a:ln>
+            <a:noFill/>
+          </a:ln>
+          <a:effectLst>
+            <a:innerShdw blurRad="63500" dist="50800" dir="16200000">
+              <a:prstClr val="black">
+                <a:alpha val="35000"/>
+              </a:prstClr>
+            </a:innerShdw>
+          </a:effectLst>
+        </p:spPr>
+        <p:style>
+          <a:lnRef idx="2">
+            <a:schemeClr val="accent1">
+              <a:shade val="50000"/>
+            </a:schemeClr>
+          </a:lnRef>
+          <a:fillRef idx="1">
+            <a:schemeClr val="accent1"/>
+          </a:fillRef>
+          <a:effectRef idx="0">
+            <a:schemeClr val="accent1"/>
+          </a:effectRef>
+          <a:fontRef idx="minor">
+            <a:schemeClr val="lt1"/>
+          </a:fontRef>
+        </p:style>
+        <p:txBody>
+          <a:bodyPr rtlCol="0" anchor="ctr"/>
+          <a:lstStyle/>
+          <a:p>
+            <a:pPr algn="ctr"/>
+            <a:endParaRPr lang="en-US"/>
+          </a:p>
+        </p:txBody>
+      </p:sp>
+      <p:sp>
+        <p:nvSpPr>
+          <p:cNvPr id="3" name="Content Placeholder 2">
+            <a:extLst>
+              <a:ext uri="{FF2B5EF4-FFF2-40B4-BE49-F238E27FC236}">
+                <a16:creationId xmlns:a16="http://schemas.microsoft.com/office/drawing/2014/main" id="{CFDFFFEF-D99F-F23D-4C13-3821A8068FEA}"/>
+              </a:ext>
+            </a:extLst>
+          </p:cNvPr>
+          <p:cNvSpPr>
+            <a:spLocks noGrp="1"/>
+          </p:cNvSpPr>
+          <p:nvPr>
+            <p:ph idx="1"/>
+          </p:nvPr>
+        </p:nvSpPr>
+        <p:spPr>
+          <a:xfrm>
+            <a:off x="1295401" y="2612256"/>
+            <a:ext cx="9601196" cy="3263612"/>
+          </a:xfrm>
+        </p:spPr>
+        <p:txBody>
+          <a:bodyPr>
+            <a:normAutofit/>
+          </a:bodyPr>
+          <a:lstStyle/>
+          <a:p>
+            <a:r>
+              <a:rPr lang="en-US" dirty="0" err="1"/>
+              <a:t>Irasburg</a:t>
+            </a:r>
+            <a:r>
+              <a:rPr lang="en-US" dirty="0"/>
+              <a:t> resident since Oct 2022. From Indiana, </a:t>
+            </a:r>
+            <a:r>
+              <a:rPr lang="en-US" b="1" dirty="0">
+                <a:highlight>
+                  <a:srgbClr val="FFFF00"/>
+                </a:highlight>
+              </a:rPr>
+              <a:t>wife is a Vermonter (from Hartland)</a:t>
+            </a:r>
+          </a:p>
+          <a:p>
+            <a:r>
+              <a:rPr lang="en-US" dirty="0"/>
+              <a:t>Data Scientist (think pre-ChatGPT AI) for an Insurtech Company</a:t>
+            </a:r>
+          </a:p>
+          <a:p>
+            <a:r>
+              <a:rPr lang="en-US" dirty="0"/>
+              <a:t>30 years in tech, last 20 with a focus on data: managing, analyzing, and interpreting</a:t>
+            </a:r>
+          </a:p>
+        </p:txBody>
+      </p:sp>
+    </p:spTree>
+    <p:extLst>
+      <p:ext uri="{BB962C8B-B14F-4D97-AF65-F5344CB8AC3E}">
+        <p14:creationId xmlns:p14="http://schemas.microsoft.com/office/powerpoint/2010/main" val="2585938638"/>
+      </p:ext>
+    </p:extLst>
+  </p:cSld>
+  <p:clrMapOvr>
+    <a:masterClrMapping/>
+  </p:clrMapOvr>
+</p:sld>
+</file>
+
+<file path=ppt/slides/slide3.xml><?xml version="1.0" encoding="utf-8"?>
+<p:sld xmlns:a="http://schemas.openxmlformats.org/drawingml/2006/main" xmlns:r="http://schemas.openxmlformats.org/officeDocument/2006/relationships" xmlns:p="http://schemas.openxmlformats.org/presentationml/2006/main">
+  <p:cSld>
+    <p:bg>
+      <p:bgPr>
+        <a:blipFill>
+          <a:blip r:embed="rId2"/>
+          <a:stretch/>
+        </a:blipFill>
+        <a:effectLst/>
+      </p:bgPr>
+    </p:bg>
+    <p:spTree>
+      <p:nvGrpSpPr>
         <p:cNvPr id="1" name=""/>
         <p:cNvGrpSpPr/>
         <p:nvPr/>
@@ -7358,443 +7795,6 @@
     <p:extLst>
       <p:ext uri="{BB962C8B-B14F-4D97-AF65-F5344CB8AC3E}">
         <p14:creationId xmlns:p14="http://schemas.microsoft.com/office/powerpoint/2010/main" val="3700729021"/>
-      </p:ext>
-    </p:extLst>
-  </p:cSld>
-  <p:clrMapOvr>
-    <a:masterClrMapping/>
-  </p:clrMapOvr>
-</p:sld>
-</file>
-
-<file path=ppt/slides/slide3.xml><?xml version="1.0" encoding="utf-8"?>
-<p:sld xmlns:a="http://schemas.openxmlformats.org/drawingml/2006/main" xmlns:r="http://schemas.openxmlformats.org/officeDocument/2006/relationships" xmlns:p="http://schemas.openxmlformats.org/presentationml/2006/main">
-  <p:cSld>
-    <p:bg>
-      <p:bgPr>
-        <a:blipFill>
-          <a:blip r:embed="rId2"/>
-          <a:stretch/>
-        </a:blipFill>
-        <a:effectLst/>
-      </p:bgPr>
-    </p:bg>
-    <p:spTree>
-      <p:nvGrpSpPr>
-        <p:cNvPr id="1" name="">
-          <a:extLst>
-            <a:ext uri="{FF2B5EF4-FFF2-40B4-BE49-F238E27FC236}">
-              <a16:creationId xmlns:a16="http://schemas.microsoft.com/office/drawing/2014/main" id="{1F38B953-94AD-4BDC-F2C7-986314516C09}"/>
-            </a:ext>
-          </a:extLst>
-        </p:cNvPr>
-        <p:cNvGrpSpPr/>
-        <p:nvPr/>
-      </p:nvGrpSpPr>
-      <p:grpSpPr>
-        <a:xfrm>
-          <a:off x="0" y="0"/>
-          <a:ext cx="0" cy="0"/>
-          <a:chOff x="0" y="0"/>
-          <a:chExt cx="0" cy="0"/>
-        </a:xfrm>
-      </p:grpSpPr>
-      <p:sp useBgFill="1">
-        <p:nvSpPr>
-          <p:cNvPr id="21" name="Rectangle 20">
-            <a:extLst>
-              <a:ext uri="{FF2B5EF4-FFF2-40B4-BE49-F238E27FC236}">
-                <a16:creationId xmlns:a16="http://schemas.microsoft.com/office/drawing/2014/main" id="{52723366-C73B-4ED6-ADEF-29911C6BC55F}"/>
-              </a:ext>
-              <a:ext uri="{C183D7F6-B498-43B3-948B-1728B52AA6E4}">
-                <adec:decorative xmlns:adec="http://schemas.microsoft.com/office/drawing/2017/decorative" val="1"/>
-              </a:ext>
-            </a:extLst>
-          </p:cNvPr>
-          <p:cNvSpPr>
-            <a:spLocks noGrp="1" noRot="1" noChangeAspect="1" noMove="1" noResize="1" noEditPoints="1" noAdjustHandles="1" noChangeArrowheads="1" noChangeShapeType="1" noTextEdit="1"/>
-          </p:cNvSpPr>
-          <p:nvPr>
-            <p:extLst>
-              <p:ext uri="{386F3935-93C4-4BCD-93E2-E3B085C9AB24}">
-                <p16:designElem xmlns:p16="http://schemas.microsoft.com/office/powerpoint/2015/main" val="1"/>
-              </p:ext>
-            </p:extLst>
-          </p:nvPr>
-        </p:nvSpPr>
-        <p:spPr>
-          <a:xfrm>
-            <a:off x="0" y="0"/>
-            <a:ext cx="12192000" cy="6858000"/>
-          </a:xfrm>
-          <a:prstGeom prst="rect">
-            <a:avLst/>
-          </a:prstGeom>
-          <a:ln>
-            <a:noFill/>
-          </a:ln>
-        </p:spPr>
-        <p:style>
-          <a:lnRef idx="2">
-            <a:schemeClr val="accent1">
-              <a:shade val="50000"/>
-            </a:schemeClr>
-          </a:lnRef>
-          <a:fillRef idx="1">
-            <a:schemeClr val="accent1"/>
-          </a:fillRef>
-          <a:effectRef idx="0">
-            <a:schemeClr val="accent1"/>
-          </a:effectRef>
-          <a:fontRef idx="minor">
-            <a:schemeClr val="lt1"/>
-          </a:fontRef>
-        </p:style>
-        <p:txBody>
-          <a:bodyPr rtlCol="0" anchor="ctr"/>
-          <a:lstStyle/>
-          <a:p>
-            <a:pPr algn="ctr"/>
-            <a:endParaRPr lang="en-US"/>
-          </a:p>
-        </p:txBody>
-      </p:sp>
-      <p:sp>
-        <p:nvSpPr>
-          <p:cNvPr id="23" name="Rectangle 22">
-            <a:extLst>
-              <a:ext uri="{FF2B5EF4-FFF2-40B4-BE49-F238E27FC236}">
-                <a16:creationId xmlns:a16="http://schemas.microsoft.com/office/drawing/2014/main" id="{847A4152-8E41-4D1C-B88C-57C5C430A69E}"/>
-              </a:ext>
-              <a:ext uri="{C183D7F6-B498-43B3-948B-1728B52AA6E4}">
-                <adec:decorative xmlns:adec="http://schemas.microsoft.com/office/drawing/2017/decorative" val="1"/>
-              </a:ext>
-            </a:extLst>
-          </p:cNvPr>
-          <p:cNvSpPr>
-            <a:spLocks noGrp="1" noRot="1" noChangeAspect="1" noMove="1" noResize="1" noEditPoints="1" noAdjustHandles="1" noChangeArrowheads="1" noChangeShapeType="1" noTextEdit="1"/>
-          </p:cNvSpPr>
-          <p:nvPr>
-            <p:extLst>
-              <p:ext uri="{386F3935-93C4-4BCD-93E2-E3B085C9AB24}">
-                <p16:designElem xmlns:p16="http://schemas.microsoft.com/office/powerpoint/2015/main" val="1"/>
-              </p:ext>
-            </p:extLst>
-          </p:nvPr>
-        </p:nvSpPr>
-        <p:spPr>
-          <a:xfrm>
-            <a:off x="484631" y="484632"/>
-            <a:ext cx="11222737" cy="1479635"/>
-          </a:xfrm>
-          <a:prstGeom prst="rect">
-            <a:avLst/>
-          </a:prstGeom>
-          <a:solidFill>
-            <a:schemeClr val="tx2">
-              <a:lumMod val="90000"/>
-              <a:lumOff val="10000"/>
-            </a:schemeClr>
-          </a:solidFill>
-          <a:ln>
-            <a:noFill/>
-          </a:ln>
-          <a:effectLst>
-            <a:outerShdw blurRad="50800" dist="38100" dir="5400000" algn="t" rotWithShape="0">
-              <a:prstClr val="black">
-                <a:alpha val="40000"/>
-              </a:prstClr>
-            </a:outerShdw>
-          </a:effectLst>
-          <a:scene3d>
-            <a:camera prst="orthographicFront"/>
-            <a:lightRig rig="balanced" dir="t"/>
-          </a:scene3d>
-          <a:sp3d>
-            <a:bevelT w="6350" h="6350"/>
-          </a:sp3d>
-        </p:spPr>
-        <p:style>
-          <a:lnRef idx="2">
-            <a:schemeClr val="accent1">
-              <a:shade val="50000"/>
-            </a:schemeClr>
-          </a:lnRef>
-          <a:fillRef idx="1">
-            <a:schemeClr val="accent1"/>
-          </a:fillRef>
-          <a:effectRef idx="0">
-            <a:schemeClr val="accent1"/>
-          </a:effectRef>
-          <a:fontRef idx="minor">
-            <a:schemeClr val="lt1"/>
-          </a:fontRef>
-        </p:style>
-        <p:txBody>
-          <a:bodyPr rtlCol="0" anchor="ctr"/>
-          <a:lstStyle/>
-          <a:p>
-            <a:pPr algn="ctr"/>
-            <a:endParaRPr lang="en-US"/>
-          </a:p>
-        </p:txBody>
-      </p:sp>
-      <p:sp>
-        <p:nvSpPr>
-          <p:cNvPr id="2" name="Title 1">
-            <a:extLst>
-              <a:ext uri="{FF2B5EF4-FFF2-40B4-BE49-F238E27FC236}">
-                <a16:creationId xmlns:a16="http://schemas.microsoft.com/office/drawing/2014/main" id="{AEAF22DF-9E6D-3AAD-434D-30C8E2C001CC}"/>
-              </a:ext>
-            </a:extLst>
-          </p:cNvPr>
-          <p:cNvSpPr>
-            <a:spLocks noGrp="1"/>
-          </p:cNvSpPr>
-          <p:nvPr>
-            <p:ph type="title"/>
-          </p:nvPr>
-        </p:nvSpPr>
-        <p:spPr>
-          <a:xfrm>
-            <a:off x="804421" y="796374"/>
-            <a:ext cx="10583158" cy="880027"/>
-          </a:xfrm>
-        </p:spPr>
-        <p:txBody>
-          <a:bodyPr>
-            <a:normAutofit/>
-          </a:bodyPr>
-          <a:lstStyle/>
-          <a:p>
-            <a:r>
-              <a:rPr lang="en-US">
-                <a:solidFill>
-                  <a:srgbClr val="FFFFFF"/>
-                </a:solidFill>
-              </a:rPr>
-              <a:t>About Your Professor</a:t>
-            </a:r>
-          </a:p>
-        </p:txBody>
-      </p:sp>
-      <p:sp>
-        <p:nvSpPr>
-          <p:cNvPr id="25" name="Rectangle 24">
-            <a:extLst>
-              <a:ext uri="{FF2B5EF4-FFF2-40B4-BE49-F238E27FC236}">
-                <a16:creationId xmlns:a16="http://schemas.microsoft.com/office/drawing/2014/main" id="{999F76F5-72D4-4814-9169-8F535AEEB809}"/>
-              </a:ext>
-              <a:ext uri="{C183D7F6-B498-43B3-948B-1728B52AA6E4}">
-                <adec:decorative xmlns:adec="http://schemas.microsoft.com/office/drawing/2017/decorative" val="1"/>
-              </a:ext>
-            </a:extLst>
-          </p:cNvPr>
-          <p:cNvSpPr>
-            <a:spLocks noGrp="1" noRot="1" noChangeAspect="1" noMove="1" noResize="1" noEditPoints="1" noAdjustHandles="1" noChangeArrowheads="1" noChangeShapeType="1" noTextEdit="1"/>
-          </p:cNvSpPr>
-          <p:nvPr>
-            <p:extLst>
-              <p:ext uri="{386F3935-93C4-4BCD-93E2-E3B085C9AB24}">
-                <p16:designElem xmlns:p16="http://schemas.microsoft.com/office/powerpoint/2015/main" val="1"/>
-              </p:ext>
-            </p:extLst>
-          </p:nvPr>
-        </p:nvSpPr>
-        <p:spPr>
-          <a:xfrm>
-            <a:off x="650747" y="648377"/>
-            <a:ext cx="10890504" cy="1152144"/>
-          </a:xfrm>
-          <a:prstGeom prst="rect">
-            <a:avLst/>
-          </a:prstGeom>
-          <a:noFill/>
-          <a:ln w="15875" cap="flat">
-            <a:solidFill>
-              <a:schemeClr val="accent1"/>
-            </a:solidFill>
-            <a:miter lim="800000"/>
-          </a:ln>
-          <a:effectLst/>
-        </p:spPr>
-        <p:style>
-          <a:lnRef idx="1">
-            <a:schemeClr val="accent1"/>
-          </a:lnRef>
-          <a:fillRef idx="3">
-            <a:schemeClr val="accent1"/>
-          </a:fillRef>
-          <a:effectRef idx="2">
-            <a:schemeClr val="accent1"/>
-          </a:effectRef>
-          <a:fontRef idx="minor">
-            <a:schemeClr val="lt1"/>
-          </a:fontRef>
-        </p:style>
-        <p:txBody>
-          <a:bodyPr/>
-          <a:lstStyle/>
-          <a:p>
-            <a:endParaRPr lang="en-US"/>
-          </a:p>
-        </p:txBody>
-      </p:sp>
-      <p:sp>
-        <p:nvSpPr>
-          <p:cNvPr id="27" name="Rectangle 26">
-            <a:extLst>
-              <a:ext uri="{FF2B5EF4-FFF2-40B4-BE49-F238E27FC236}">
-                <a16:creationId xmlns:a16="http://schemas.microsoft.com/office/drawing/2014/main" id="{C6202988-4466-42C5-B33A-AFABF051B4FE}"/>
-              </a:ext>
-              <a:ext uri="{C183D7F6-B498-43B3-948B-1728B52AA6E4}">
-                <adec:decorative xmlns:adec="http://schemas.microsoft.com/office/drawing/2017/decorative" val="1"/>
-              </a:ext>
-            </a:extLst>
-          </p:cNvPr>
-          <p:cNvSpPr>
-            <a:spLocks noGrp="1" noRot="1" noChangeAspect="1" noMove="1" noResize="1" noEditPoints="1" noAdjustHandles="1" noChangeArrowheads="1" noChangeShapeType="1" noTextEdit="1"/>
-          </p:cNvSpPr>
-          <p:nvPr>
-            <p:extLst>
-              <p:ext uri="{386F3935-93C4-4BCD-93E2-E3B085C9AB24}">
-                <p16:designElem xmlns:p16="http://schemas.microsoft.com/office/powerpoint/2015/main" val="1"/>
-              </p:ext>
-            </p:extLst>
-          </p:nvPr>
-        </p:nvSpPr>
-        <p:spPr>
-          <a:xfrm>
-            <a:off x="0" y="2286000"/>
-            <a:ext cx="12192000" cy="4572000"/>
-          </a:xfrm>
-          <a:prstGeom prst="rect">
-            <a:avLst/>
-          </a:prstGeom>
-          <a:gradFill>
-            <a:gsLst>
-              <a:gs pos="0">
-                <a:schemeClr val="bg1"/>
-              </a:gs>
-              <a:gs pos="30000">
-                <a:schemeClr val="bg1"/>
-              </a:gs>
-              <a:gs pos="61000">
-                <a:schemeClr val="bg2">
-                  <a:lumMod val="20000"/>
-                  <a:lumOff val="80000"/>
-                </a:schemeClr>
-              </a:gs>
-              <a:gs pos="97000">
-                <a:schemeClr val="bg2">
-                  <a:lumMod val="70000"/>
-                  <a:lumOff val="30000"/>
-                </a:schemeClr>
-              </a:gs>
-            </a:gsLst>
-            <a:path path="circle">
-              <a:fillToRect l="50000" t="50000" r="50000" b="50000"/>
-            </a:path>
-          </a:gradFill>
-          <a:ln>
-            <a:noFill/>
-          </a:ln>
-          <a:effectLst>
-            <a:innerShdw blurRad="63500" dist="50800" dir="16200000">
-              <a:prstClr val="black">
-                <a:alpha val="35000"/>
-              </a:prstClr>
-            </a:innerShdw>
-          </a:effectLst>
-        </p:spPr>
-        <p:style>
-          <a:lnRef idx="2">
-            <a:schemeClr val="accent1">
-              <a:shade val="50000"/>
-            </a:schemeClr>
-          </a:lnRef>
-          <a:fillRef idx="1">
-            <a:schemeClr val="accent1"/>
-          </a:fillRef>
-          <a:effectRef idx="0">
-            <a:schemeClr val="accent1"/>
-          </a:effectRef>
-          <a:fontRef idx="minor">
-            <a:schemeClr val="lt1"/>
-          </a:fontRef>
-        </p:style>
-        <p:txBody>
-          <a:bodyPr rtlCol="0" anchor="ctr"/>
-          <a:lstStyle/>
-          <a:p>
-            <a:pPr algn="ctr"/>
-            <a:endParaRPr lang="en-US"/>
-          </a:p>
-        </p:txBody>
-      </p:sp>
-      <p:sp>
-        <p:nvSpPr>
-          <p:cNvPr id="3" name="Content Placeholder 2">
-            <a:extLst>
-              <a:ext uri="{FF2B5EF4-FFF2-40B4-BE49-F238E27FC236}">
-                <a16:creationId xmlns:a16="http://schemas.microsoft.com/office/drawing/2014/main" id="{CFDFFFEF-D99F-F23D-4C13-3821A8068FEA}"/>
-              </a:ext>
-            </a:extLst>
-          </p:cNvPr>
-          <p:cNvSpPr>
-            <a:spLocks noGrp="1"/>
-          </p:cNvSpPr>
-          <p:nvPr>
-            <p:ph idx="1"/>
-          </p:nvPr>
-        </p:nvSpPr>
-        <p:spPr>
-          <a:xfrm>
-            <a:off x="1295401" y="2612256"/>
-            <a:ext cx="9601196" cy="3263612"/>
-          </a:xfrm>
-        </p:spPr>
-        <p:txBody>
-          <a:bodyPr>
-            <a:normAutofit/>
-          </a:bodyPr>
-          <a:lstStyle/>
-          <a:p>
-            <a:r>
-              <a:rPr lang="en-US" dirty="0" err="1"/>
-              <a:t>Irasburg</a:t>
-            </a:r>
-            <a:r>
-              <a:rPr lang="en-US" dirty="0"/>
-              <a:t> resident since Oct 2022. From Indiana, </a:t>
-            </a:r>
-            <a:r>
-              <a:rPr lang="en-US" b="1" dirty="0">
-                <a:highlight>
-                  <a:srgbClr val="FFFF00"/>
-                </a:highlight>
-              </a:rPr>
-              <a:t>wife is a Vermonter (from Hartland)</a:t>
-            </a:r>
-          </a:p>
-          <a:p>
-            <a:r>
-              <a:rPr lang="en-US" dirty="0"/>
-              <a:t>Data Scientist (think pre-ChatGPT AI) for an Insurtech Company</a:t>
-            </a:r>
-          </a:p>
-          <a:p>
-            <a:r>
-              <a:rPr lang="en-US" dirty="0"/>
-              <a:t>30 years in tech, last 20 with a focus on data: managing, analyzing, and interpreting</a:t>
-            </a:r>
-          </a:p>
-        </p:txBody>
-      </p:sp>
-    </p:spTree>
-    <p:extLst>
-      <p:ext uri="{BB962C8B-B14F-4D97-AF65-F5344CB8AC3E}">
-        <p14:creationId xmlns:p14="http://schemas.microsoft.com/office/powerpoint/2010/main" val="2585938638"/>
       </p:ext>
     </p:extLst>
   </p:cSld>
